--- a/Markdown/インターネットの活用に関する教材/GitHubビギナーズマニュアル/GitHubビギナーズマニュアル.pptx
+++ b/Markdown/インターネットの活用に関する教材/GitHubビギナーズマニュアル/GitHubビギナーズマニュアル.pptx
@@ -240,7 +240,7 @@
           <a:p>
             <a:fld id="{945B61DC-E6BE-4328-90B7-ABE8FCA5BD36}" type="datetimeFigureOut">
               <a:rPr kumimoji="1" lang="ja-JP" altLang="en-US" smtClean="0"/>
-              <a:t>2016/3/16</a:t>
+              <a:t>2016/3/18</a:t>
             </a:fld>
             <a:endParaRPr kumimoji="1" lang="ja-JP" altLang="en-US"/>
           </a:p>
@@ -690,7 +690,7 @@
           <a:p>
             <a:fld id="{7BF98B17-CE4C-42DD-AEDB-B62939FBF2E8}" type="datetimeFigureOut">
               <a:rPr kumimoji="1" lang="ja-JP" altLang="en-US" smtClean="0"/>
-              <a:t>2016/3/16</a:t>
+              <a:t>2016/3/18</a:t>
             </a:fld>
             <a:endParaRPr kumimoji="1" lang="ja-JP" altLang="en-US"/>
           </a:p>
@@ -1759,7 +1759,7 @@
           <a:p>
             <a:fld id="{7BF98B17-CE4C-42DD-AEDB-B62939FBF2E8}" type="datetimeFigureOut">
               <a:rPr kumimoji="1" lang="ja-JP" altLang="en-US" smtClean="0"/>
-              <a:t>2016/3/16</a:t>
+              <a:t>2016/3/18</a:t>
             </a:fld>
             <a:endParaRPr kumimoji="1" lang="ja-JP" altLang="en-US"/>
           </a:p>
@@ -1971,7 +1971,7 @@
           <a:p>
             <a:fld id="{7BF98B17-CE4C-42DD-AEDB-B62939FBF2E8}" type="datetimeFigureOut">
               <a:rPr kumimoji="1" lang="ja-JP" altLang="en-US" smtClean="0"/>
-              <a:t>2016/3/16</a:t>
+              <a:t>2016/3/18</a:t>
             </a:fld>
             <a:endParaRPr kumimoji="1" lang="ja-JP" altLang="en-US"/>
           </a:p>
@@ -2286,7 +2286,7 @@
           <a:p>
             <a:fld id="{7BF98B17-CE4C-42DD-AEDB-B62939FBF2E8}" type="datetimeFigureOut">
               <a:rPr kumimoji="1" lang="ja-JP" altLang="en-US" smtClean="0"/>
-              <a:t>2016/3/16</a:t>
+              <a:t>2016/3/18</a:t>
             </a:fld>
             <a:endParaRPr kumimoji="1" lang="ja-JP" altLang="en-US"/>
           </a:p>
@@ -2582,7 +2582,7 @@
           <a:p>
             <a:fld id="{7BF98B17-CE4C-42DD-AEDB-B62939FBF2E8}" type="datetimeFigureOut">
               <a:rPr kumimoji="1" lang="ja-JP" altLang="en-US" smtClean="0"/>
-              <a:t>2016/3/16</a:t>
+              <a:t>2016/3/18</a:t>
             </a:fld>
             <a:endParaRPr kumimoji="1" lang="ja-JP" altLang="en-US"/>
           </a:p>
@@ -3013,7 +3013,7 @@
           <a:p>
             <a:fld id="{7BF98B17-CE4C-42DD-AEDB-B62939FBF2E8}" type="datetimeFigureOut">
               <a:rPr kumimoji="1" lang="ja-JP" altLang="en-US" smtClean="0"/>
-              <a:t>2016/3/16</a:t>
+              <a:t>2016/3/18</a:t>
             </a:fld>
             <a:endParaRPr kumimoji="1" lang="ja-JP" altLang="en-US"/>
           </a:p>
@@ -3131,7 +3131,7 @@
           <a:p>
             <a:fld id="{7BF98B17-CE4C-42DD-AEDB-B62939FBF2E8}" type="datetimeFigureOut">
               <a:rPr kumimoji="1" lang="ja-JP" altLang="en-US" smtClean="0"/>
-              <a:t>2016/3/16</a:t>
+              <a:t>2016/3/18</a:t>
             </a:fld>
             <a:endParaRPr kumimoji="1" lang="ja-JP" altLang="en-US"/>
           </a:p>
@@ -3226,7 +3226,7 @@
           <a:p>
             <a:fld id="{7BF98B17-CE4C-42DD-AEDB-B62939FBF2E8}" type="datetimeFigureOut">
               <a:rPr kumimoji="1" lang="ja-JP" altLang="en-US" smtClean="0"/>
-              <a:t>2016/3/16</a:t>
+              <a:t>2016/3/18</a:t>
             </a:fld>
             <a:endParaRPr kumimoji="1" lang="ja-JP" altLang="en-US"/>
           </a:p>
@@ -3535,7 +3535,7 @@
           <a:p>
             <a:fld id="{7BF98B17-CE4C-42DD-AEDB-B62939FBF2E8}" type="datetimeFigureOut">
               <a:rPr kumimoji="1" lang="ja-JP" altLang="en-US" smtClean="0"/>
-              <a:t>2016/3/16</a:t>
+              <a:t>2016/3/18</a:t>
             </a:fld>
             <a:endParaRPr kumimoji="1" lang="ja-JP" altLang="en-US"/>
           </a:p>
@@ -3792,7 +3792,7 @@
           <a:p>
             <a:fld id="{7BF98B17-CE4C-42DD-AEDB-B62939FBF2E8}" type="datetimeFigureOut">
               <a:rPr kumimoji="1" lang="ja-JP" altLang="en-US" smtClean="0"/>
-              <a:t>2016/3/16</a:t>
+              <a:t>2016/3/18</a:t>
             </a:fld>
             <a:endParaRPr kumimoji="1" lang="ja-JP" altLang="en-US"/>
           </a:p>
@@ -4037,7 +4037,7 @@
           <a:p>
             <a:fld id="{7BF98B17-CE4C-42DD-AEDB-B62939FBF2E8}" type="datetimeFigureOut">
               <a:rPr kumimoji="1" lang="ja-JP" altLang="en-US" smtClean="0"/>
-              <a:t>2016/3/16</a:t>
+              <a:t>2016/3/18</a:t>
             </a:fld>
             <a:endParaRPr kumimoji="1" lang="ja-JP" altLang="en-US"/>
           </a:p>
@@ -12290,7 +12290,7 @@
         </p:blipFill>
         <p:spPr>
           <a:xfrm>
-            <a:off x="177800" y="1162050"/>
+            <a:off x="177799" y="581025"/>
             <a:ext cx="4238625" cy="3390900"/>
           </a:xfrm>
           <a:prstGeom prst="rect">
@@ -12320,7 +12320,7 @@
         </p:blipFill>
         <p:spPr>
           <a:xfrm>
-            <a:off x="4702174" y="1162050"/>
+            <a:off x="4702173" y="581025"/>
             <a:ext cx="4238625" cy="3390900"/>
           </a:xfrm>
           <a:prstGeom prst="rect">
@@ -12336,7 +12336,7 @@
         </p:nvSpPr>
         <p:spPr>
           <a:xfrm>
-            <a:off x="1318022" y="4858056"/>
+            <a:off x="1318022" y="4508774"/>
             <a:ext cx="6507956" cy="387798"/>
           </a:xfrm>
           <a:prstGeom prst="rect">
@@ -12379,6 +12379,42 @@
               <a:t>されると右のような画面が表示される。</a:t>
             </a:r>
             <a:endParaRPr lang="ja-JP" altLang="en-US" sz="1600" b="1" dirty="0"/>
+          </a:p>
+        </p:txBody>
+      </p:sp>
+      <p:sp>
+        <p:nvSpPr>
+          <p:cNvPr id="2" name="正方形/長方形 1"/>
+          <p:cNvSpPr/>
+          <p:nvPr/>
+        </p:nvSpPr>
+        <p:spPr>
+          <a:xfrm>
+            <a:off x="0" y="5022038"/>
+            <a:ext cx="9132889" cy="524503"/>
+          </a:xfrm>
+          <a:prstGeom prst="rect">
+            <a:avLst/>
+          </a:prstGeom>
+        </p:spPr>
+        <p:txBody>
+          <a:bodyPr wrap="square">
+            <a:spAutoFit/>
+          </a:bodyPr>
+          <a:lstStyle/>
+          <a:p>
+            <a:r>
+              <a:rPr lang="ja-JP" altLang="en-US" dirty="0"/>
+              <a:t>※ forkしたリポジトリは、fork元のリポジトリの変更は反映されないため、GitコマンドかSourcetreeの追跡機能を利用することを推奨</a:t>
+            </a:r>
+            <a:r>
+              <a:rPr lang="ja-JP" altLang="en-US" dirty="0" smtClean="0"/>
+              <a:t>（Sourcetreeビギナーズマニュアルを</a:t>
+            </a:r>
+            <a:r>
+              <a:rPr lang="ja-JP" altLang="en-US" dirty="0"/>
+              <a:t>参照）。もしくは、本教材と同じく、編集ごとにForkしたリポジトリを削除する。</a:t>
+            </a:r>
           </a:p>
         </p:txBody>
       </p:sp>
